--- a/Data analysis/07. 7일차/수학이론 - 003. 선형회귀.pptx
+++ b/Data analysis/07. 7일차/수학이론 - 003. 선형회귀.pptx
@@ -5671,7 +5671,7 @@
           <a:lstStyle/>
           <a:p>
             <a:r>
-              <a:rPr lang="ko-KR" altLang="en-US" sz="2800" dirty="0" smtClean="0">
+              <a:rPr lang="ko-KR" altLang="en-US" sz="2800" smtClean="0">
                 <a:solidFill>
                   <a:schemeClr val="dk1"/>
                 </a:solidFill>
@@ -5680,7 +5680,7 @@
                 <a:cs typeface="Arial"/>
                 <a:sym typeface="Arial"/>
               </a:rPr>
-              <a:t>회귀 분석</a:t>
+              <a:t>선형 회귀</a:t>
             </a:r>
             <a:endParaRPr sz="2800" dirty="0">
               <a:solidFill>
